--- a/TemăSortări.pptx
+++ b/TemăSortări.pptx
@@ -214,7 +214,7 @@
             <a:fld id="{478DF12D-79EC-4308-90A7-2DAF40DB5DE2}" type="datetimeFigureOut">
               <a:rPr lang="en-US" smtClean="0"/>
               <a:pPr/>
-              <a:t>3/13/2021</a:t>
+              <a:t>3/14/2021</a:t>
             </a:fld>
             <a:endParaRPr lang="en-US"/>
           </a:p>
@@ -662,7 +662,7 @@
             <a:fld id="{7E677CAE-D9BA-42F8-80B4-EFBE6893484E}" type="datetimeFigureOut">
               <a:rPr lang="en-US" smtClean="0"/>
               <a:pPr/>
-              <a:t>3/13/2021</a:t>
+              <a:t>3/14/2021</a:t>
             </a:fld>
             <a:endParaRPr lang="en-US"/>
           </a:p>
@@ -832,7 +832,7 @@
             <a:fld id="{7E677CAE-D9BA-42F8-80B4-EFBE6893484E}" type="datetimeFigureOut">
               <a:rPr lang="en-US" smtClean="0"/>
               <a:pPr/>
-              <a:t>3/13/2021</a:t>
+              <a:t>3/14/2021</a:t>
             </a:fld>
             <a:endParaRPr lang="en-US"/>
           </a:p>
@@ -1012,7 +1012,7 @@
             <a:fld id="{7E677CAE-D9BA-42F8-80B4-EFBE6893484E}" type="datetimeFigureOut">
               <a:rPr lang="en-US" smtClean="0"/>
               <a:pPr/>
-              <a:t>3/13/2021</a:t>
+              <a:t>3/14/2021</a:t>
             </a:fld>
             <a:endParaRPr lang="en-US"/>
           </a:p>
@@ -1182,7 +1182,7 @@
             <a:fld id="{7E677CAE-D9BA-42F8-80B4-EFBE6893484E}" type="datetimeFigureOut">
               <a:rPr lang="en-US" smtClean="0"/>
               <a:pPr/>
-              <a:t>3/13/2021</a:t>
+              <a:t>3/14/2021</a:t>
             </a:fld>
             <a:endParaRPr lang="en-US"/>
           </a:p>
@@ -1428,7 +1428,7 @@
             <a:fld id="{7E677CAE-D9BA-42F8-80B4-EFBE6893484E}" type="datetimeFigureOut">
               <a:rPr lang="en-US" smtClean="0"/>
               <a:pPr/>
-              <a:t>3/13/2021</a:t>
+              <a:t>3/14/2021</a:t>
             </a:fld>
             <a:endParaRPr lang="en-US"/>
           </a:p>
@@ -1716,7 +1716,7 @@
             <a:fld id="{7E677CAE-D9BA-42F8-80B4-EFBE6893484E}" type="datetimeFigureOut">
               <a:rPr lang="en-US" smtClean="0"/>
               <a:pPr/>
-              <a:t>3/13/2021</a:t>
+              <a:t>3/14/2021</a:t>
             </a:fld>
             <a:endParaRPr lang="en-US"/>
           </a:p>
@@ -2138,7 +2138,7 @@
             <a:fld id="{7E677CAE-D9BA-42F8-80B4-EFBE6893484E}" type="datetimeFigureOut">
               <a:rPr lang="en-US" smtClean="0"/>
               <a:pPr/>
-              <a:t>3/13/2021</a:t>
+              <a:t>3/14/2021</a:t>
             </a:fld>
             <a:endParaRPr lang="en-US"/>
           </a:p>
@@ -2256,7 +2256,7 @@
             <a:fld id="{7E677CAE-D9BA-42F8-80B4-EFBE6893484E}" type="datetimeFigureOut">
               <a:rPr lang="en-US" smtClean="0"/>
               <a:pPr/>
-              <a:t>3/13/2021</a:t>
+              <a:t>3/14/2021</a:t>
             </a:fld>
             <a:endParaRPr lang="en-US"/>
           </a:p>
@@ -2351,7 +2351,7 @@
             <a:fld id="{7E677CAE-D9BA-42F8-80B4-EFBE6893484E}" type="datetimeFigureOut">
               <a:rPr lang="en-US" smtClean="0"/>
               <a:pPr/>
-              <a:t>3/13/2021</a:t>
+              <a:t>3/14/2021</a:t>
             </a:fld>
             <a:endParaRPr lang="en-US"/>
           </a:p>
@@ -2628,7 +2628,7 @@
             <a:fld id="{7E677CAE-D9BA-42F8-80B4-EFBE6893484E}" type="datetimeFigureOut">
               <a:rPr lang="en-US" smtClean="0"/>
               <a:pPr/>
-              <a:t>3/13/2021</a:t>
+              <a:t>3/14/2021</a:t>
             </a:fld>
             <a:endParaRPr lang="en-US"/>
           </a:p>
@@ -2881,7 +2881,7 @@
             <a:fld id="{7E677CAE-D9BA-42F8-80B4-EFBE6893484E}" type="datetimeFigureOut">
               <a:rPr lang="en-US" smtClean="0"/>
               <a:pPr/>
-              <a:t>3/13/2021</a:t>
+              <a:t>3/14/2021</a:t>
             </a:fld>
             <a:endParaRPr lang="en-US"/>
           </a:p>
@@ -3112,7 +3112,7 @@
             <a:fld id="{7E677CAE-D9BA-42F8-80B4-EFBE6893484E}" type="datetimeFigureOut">
               <a:rPr lang="en-US" smtClean="0"/>
               <a:pPr/>
-              <a:t>3/13/2021</a:t>
+              <a:t>3/14/2021</a:t>
             </a:fld>
             <a:endParaRPr lang="en-US"/>
           </a:p>
@@ -3778,15 +3778,7 @@
             </a:r>
             <a:r>
               <a:rPr lang="en-US" sz="2200" dirty="0" smtClean="0"/>
-              <a:t>Merge Sort </a:t>
-            </a:r>
-            <a:r>
-              <a:rPr lang="en-US" sz="2200" dirty="0" smtClean="0"/>
-              <a:t>(II</a:t>
-            </a:r>
-            <a:r>
-              <a:rPr lang="en-US" sz="2200" dirty="0" smtClean="0"/>
-              <a:t>)</a:t>
+              <a:t>Merge Sort (II)</a:t>
             </a:r>
             <a:endParaRPr lang="en-US" sz="3600" dirty="0"/>
           </a:p>
@@ -3908,11 +3900,7 @@
             </a:r>
             <a:r>
               <a:rPr lang="en-US" sz="2200" dirty="0" smtClean="0"/>
-              <a:t>Merge Sort (</a:t>
-            </a:r>
-            <a:r>
-              <a:rPr lang="en-US" sz="2200" dirty="0" smtClean="0"/>
-              <a:t>III)</a:t>
+              <a:t>Merge Sort (III)</a:t>
             </a:r>
             <a:endParaRPr lang="en-US" sz="3600" dirty="0"/>
           </a:p>
@@ -4019,11 +4007,7 @@
             </a:r>
             <a:r>
               <a:rPr lang="ro-RO" sz="3600" dirty="0" smtClean="0"/>
-              <a:t>țiilor de </a:t>
-            </a:r>
-            <a:r>
-              <a:rPr lang="ro-RO" sz="3600" dirty="0" smtClean="0"/>
-              <a:t>sortare</a:t>
+              <a:t>țiilor de sortare</a:t>
             </a:r>
             <a:r>
               <a:rPr lang="en-US" sz="3600" dirty="0" smtClean="0"/>
@@ -4172,15 +4156,7 @@
             </a:br>
             <a:r>
               <a:rPr lang="en-US" sz="2200" dirty="0" smtClean="0"/>
-              <a:t>5. </a:t>
-            </a:r>
-            <a:r>
-              <a:rPr lang="en-US" sz="2200" dirty="0" smtClean="0"/>
-              <a:t>Quick </a:t>
-            </a:r>
-            <a:r>
-              <a:rPr lang="en-US" sz="2200" dirty="0" smtClean="0"/>
-              <a:t>Sort BFPRT</a:t>
+              <a:t>5. Quick Sort BFPRT</a:t>
             </a:r>
             <a:endParaRPr lang="en-US" sz="3600" dirty="0"/>
           </a:p>
@@ -4304,11 +4280,7 @@
             </a:r>
             <a:r>
               <a:rPr lang="ro-RO" sz="3600" dirty="0" smtClean="0"/>
-              <a:t>țiilor de </a:t>
-            </a:r>
-            <a:r>
-              <a:rPr lang="ro-RO" sz="3600" dirty="0" smtClean="0"/>
-              <a:t>sortare</a:t>
+              <a:t>țiilor de sortare</a:t>
             </a:r>
             <a:r>
               <a:rPr lang="en-US" sz="3600" dirty="0" smtClean="0"/>
@@ -4437,23 +4409,7 @@
             </a:br>
             <a:r>
               <a:rPr lang="en-US" sz="2200" dirty="0" smtClean="0"/>
-              <a:t>6. Radix Sort </a:t>
-            </a:r>
-            <a:r>
-              <a:rPr lang="en-US" sz="2200" dirty="0" smtClean="0"/>
-              <a:t>(</a:t>
-            </a:r>
-            <a:r>
-              <a:rPr lang="en-US" sz="2200" dirty="0" smtClean="0"/>
-              <a:t>I</a:t>
-            </a:r>
-            <a:r>
-              <a:rPr lang="en-US" sz="2200" dirty="0" smtClean="0"/>
-              <a:t>I</a:t>
-            </a:r>
-            <a:r>
-              <a:rPr lang="en-US" sz="2200" dirty="0" smtClean="0"/>
-              <a:t>) </a:t>
+              <a:t>6. Radix Sort (II) </a:t>
             </a:r>
             <a:endParaRPr lang="en-US" sz="3600" dirty="0"/>
           </a:p>
@@ -4570,12 +4526,16 @@
               <a:rPr lang="en-US" sz="3600" dirty="0" smtClean="0"/>
             </a:br>
             <a:r>
+              <a:rPr lang="ro-RO" sz="2200" dirty="0" smtClean="0"/>
+              <a:t>7</a:t>
+            </a:r>
+            <a:r>
               <a:rPr lang="en-US" sz="2200" dirty="0" smtClean="0"/>
-              <a:t>6. Radix </a:t>
+              <a:t>. </a:t>
             </a:r>
             <a:r>
               <a:rPr lang="en-US" sz="2200" dirty="0" smtClean="0"/>
-              <a:t>Sort (</a:t>
+              <a:t>Radix Sort (</a:t>
             </a:r>
             <a:r>
               <a:rPr lang="en-US" sz="2200" dirty="0" err="1" smtClean="0"/>
@@ -4583,11 +4543,7 @@
             </a:r>
             <a:r>
               <a:rPr lang="en-US" sz="2200" dirty="0" smtClean="0"/>
-              <a:t> 2) (I</a:t>
-            </a:r>
-            <a:r>
-              <a:rPr lang="en-US" sz="2200" dirty="0" smtClean="0"/>
-              <a:t>) </a:t>
+              <a:t> 2) (I) </a:t>
             </a:r>
             <a:endParaRPr lang="en-US" sz="3600" dirty="0"/>
           </a:p>
@@ -4704,8 +4660,16 @@
               <a:rPr lang="en-US" sz="3600" dirty="0" smtClean="0"/>
             </a:br>
             <a:r>
+              <a:rPr lang="ro-RO" sz="2200" dirty="0" smtClean="0"/>
+              <a:t>7</a:t>
+            </a:r>
+            <a:r>
               <a:rPr lang="en-US" sz="2200" dirty="0" smtClean="0"/>
-              <a:t>6. Radix Sort (</a:t>
+              <a:t>. </a:t>
+            </a:r>
+            <a:r>
+              <a:rPr lang="en-US" sz="2200" dirty="0" smtClean="0"/>
+              <a:t>Radix Sort (</a:t>
             </a:r>
             <a:r>
               <a:rPr lang="en-US" sz="2200" dirty="0" err="1" smtClean="0"/>
@@ -4713,15 +4677,7 @@
             </a:r>
             <a:r>
               <a:rPr lang="en-US" sz="2200" dirty="0" smtClean="0"/>
-              <a:t> 2) </a:t>
-            </a:r>
-            <a:r>
-              <a:rPr lang="en-US" sz="2200" dirty="0" smtClean="0"/>
-              <a:t>(II</a:t>
-            </a:r>
-            <a:r>
-              <a:rPr lang="en-US" sz="2200" dirty="0" smtClean="0"/>
-              <a:t>) </a:t>
+              <a:t> 2) (II) </a:t>
             </a:r>
             <a:endParaRPr lang="en-US" sz="2200" dirty="0"/>
           </a:p>
@@ -4838,8 +4794,16 @@
               <a:rPr lang="en-US" dirty="0" smtClean="0"/>
             </a:br>
             <a:r>
+              <a:rPr lang="ro-RO" sz="2000" dirty="0" smtClean="0"/>
+              <a:t>8</a:t>
+            </a:r>
+            <a:r>
               <a:rPr lang="en-US" sz="2200" dirty="0" smtClean="0"/>
-              <a:t>6. Radix Sort (</a:t>
+              <a:t>. </a:t>
+            </a:r>
+            <a:r>
+              <a:rPr lang="en-US" sz="2200" dirty="0" smtClean="0"/>
+              <a:t>Radix Sort (</a:t>
             </a:r>
             <a:r>
               <a:rPr lang="en-US" sz="2200" dirty="0" err="1" smtClean="0"/>
@@ -4847,15 +4811,7 @@
             </a:r>
             <a:r>
               <a:rPr lang="en-US" sz="2200" dirty="0" smtClean="0"/>
-              <a:t> </a:t>
-            </a:r>
-            <a:r>
-              <a:rPr lang="en-US" sz="2200" dirty="0" smtClean="0"/>
-              <a:t>4) </a:t>
-            </a:r>
-            <a:r>
-              <a:rPr lang="en-US" sz="2200" dirty="0" smtClean="0"/>
-              <a:t>(I) </a:t>
+              <a:t> 4) (I) </a:t>
             </a:r>
             <a:endParaRPr lang="en-US" sz="2200" dirty="0"/>
           </a:p>
@@ -4972,8 +4928,16 @@
               <a:rPr lang="en-US" dirty="0" smtClean="0"/>
             </a:br>
             <a:r>
+              <a:rPr lang="ro-RO" sz="2200" dirty="0" smtClean="0"/>
+              <a:t>8</a:t>
+            </a:r>
+            <a:r>
               <a:rPr lang="en-US" sz="2200" dirty="0" smtClean="0"/>
-              <a:t>6. Radix Sort (</a:t>
+              <a:t>. </a:t>
+            </a:r>
+            <a:r>
+              <a:rPr lang="en-US" sz="2200" dirty="0" smtClean="0"/>
+              <a:t>Radix Sort (</a:t>
             </a:r>
             <a:r>
               <a:rPr lang="en-US" sz="2200" dirty="0" err="1" smtClean="0"/>
@@ -4981,11 +4945,7 @@
             </a:r>
             <a:r>
               <a:rPr lang="en-US" sz="2200" dirty="0" smtClean="0"/>
-              <a:t> 4) (</a:t>
-            </a:r>
-            <a:r>
-              <a:rPr lang="en-US" sz="2200" dirty="0" smtClean="0"/>
-              <a:t>II) </a:t>
+              <a:t> 4) (II) </a:t>
             </a:r>
             <a:endParaRPr lang="en-US" sz="2200" dirty="0"/>
           </a:p>
@@ -5307,13 +5267,8 @@
             <a:pPr algn="just"/>
             <a:r>
               <a:rPr lang="ro-RO" sz="1800" dirty="0" smtClean="0"/>
-              <a:t>Bubble Sort este în general foarte lent, </a:t>
-            </a:r>
-            <a:r>
-              <a:rPr lang="ro-RO" sz="1800" dirty="0" smtClean="0"/>
-              <a:t>pentru că face o mulțime de comparații și interschimbări.</a:t>
-            </a:r>
-            <a:endParaRPr lang="ro-RO" sz="1800" dirty="0" smtClean="0"/>
+              <a:t>Bubble Sort este în general foarte lent, pentru că face o mulțime de comparații și interschimbări.</a:t>
+            </a:r>
           </a:p>
           <a:p>
             <a:pPr algn="just"/>
@@ -5403,15 +5358,7 @@
             </a:r>
             <a:r>
               <a:rPr lang="ro-RO" sz="1800" dirty="0" smtClean="0"/>
-              <a:t>ă, fiind chiar mai </a:t>
-            </a:r>
-            <a:r>
-              <a:rPr lang="ro-RO" sz="1800" dirty="0" smtClean="0"/>
-              <a:t>eficientă (nu cu mult însă) </a:t>
-            </a:r>
-            <a:r>
-              <a:rPr lang="ro-RO" sz="1800" dirty="0" smtClean="0"/>
-              <a:t>decât alegerea medianei medianelor.</a:t>
+              <a:t>ă, fiind chiar mai eficientă (nu cu mult însă) decât alegerea medianei medianelor.</a:t>
             </a:r>
             <a:r>
               <a:rPr lang="en-US" sz="1800" dirty="0" smtClean="0"/>
@@ -5459,19 +5406,7 @@
             </a:r>
             <a:r>
               <a:rPr lang="ro-RO" sz="1800" dirty="0" smtClean="0"/>
-              <a:t> algoritmul BFPRT </a:t>
-            </a:r>
-            <a:r>
-              <a:rPr lang="ro-RO" sz="1800" dirty="0" smtClean="0"/>
-              <a:t>poate îngreuna </a:t>
-            </a:r>
-            <a:r>
-              <a:rPr lang="ro-RO" sz="1800" dirty="0" smtClean="0"/>
-              <a:t>rularea codului</a:t>
-            </a:r>
-            <a:r>
-              <a:rPr lang="ro-RO" sz="1800" dirty="0" smtClean="0"/>
-              <a:t>.</a:t>
+              <a:t> algoritmul BFPRT poate îngreuna rularea codului.</a:t>
             </a:r>
           </a:p>
           <a:p>
@@ -5496,7 +5431,6 @@
               <a:rPr lang="ro-RO" sz="1800" dirty="0" smtClean="0"/>
               <a:t>ără a sorta lista primită ca parametru.</a:t>
             </a:r>
-            <a:endParaRPr lang="ro-RO" sz="1800" dirty="0" smtClean="0"/>
           </a:p>
           <a:p>
             <a:endParaRPr lang="ro-RO" sz="1800" dirty="0" smtClean="0"/>
@@ -5583,270 +5517,269 @@
           <a:p>
             <a:pPr algn="just"/>
             <a:r>
-              <a:rPr lang="en-US" sz="1800" dirty="0" smtClean="0"/>
+              <a:rPr lang="en-US" sz="1600" dirty="0" smtClean="0"/>
               <a:t>La Radix Sort </a:t>
             </a:r>
             <a:r>
-              <a:rPr lang="en-US" sz="1800" dirty="0" err="1" smtClean="0"/>
+              <a:rPr lang="en-US" sz="1600" dirty="0" err="1" smtClean="0"/>
               <a:t>pentru</a:t>
             </a:r>
             <a:r>
-              <a:rPr lang="en-US" sz="1800" dirty="0" smtClean="0"/>
+              <a:rPr lang="en-US" sz="1600" dirty="0" smtClean="0"/>
               <a:t> </a:t>
             </a:r>
             <a:r>
-              <a:rPr lang="en-US" sz="1800" dirty="0" err="1" smtClean="0"/>
+              <a:rPr lang="en-US" sz="1600" dirty="0" err="1" smtClean="0"/>
               <a:t>baza</a:t>
             </a:r>
             <a:r>
-              <a:rPr lang="en-US" sz="1800" dirty="0" smtClean="0"/>
+              <a:rPr lang="en-US" sz="1600" dirty="0" smtClean="0"/>
               <a:t> 10, </a:t>
             </a:r>
             <a:r>
-              <a:rPr lang="en-US" sz="1800" dirty="0" err="1" smtClean="0"/>
+              <a:rPr lang="en-US" sz="1600" dirty="0" err="1" smtClean="0"/>
               <a:t>variabila</a:t>
             </a:r>
             <a:r>
-              <a:rPr lang="en-US" sz="1800" dirty="0" smtClean="0"/>
+              <a:rPr lang="en-US" sz="1600" dirty="0" smtClean="0"/>
               <a:t> exp are </a:t>
             </a:r>
             <a:r>
-              <a:rPr lang="en-US" sz="1800" dirty="0" err="1" smtClean="0"/>
+              <a:rPr lang="en-US" sz="1600" dirty="0" err="1" smtClean="0"/>
               <a:t>seminfica</a:t>
             </a:r>
             <a:r>
-              <a:rPr lang="ro-RO" sz="1800" dirty="0" smtClean="0"/>
+              <a:rPr lang="ro-RO" sz="1600" dirty="0" smtClean="0"/>
               <a:t>ția de 10^exponent curent, în schimb la bazele 2 și 4 este chiar exponentul curent.</a:t>
             </a:r>
-            <a:endParaRPr lang="en-US" sz="1800" dirty="0" smtClean="0"/>
+            <a:endParaRPr lang="en-US" sz="1600" dirty="0" smtClean="0"/>
           </a:p>
           <a:p>
             <a:pPr algn="just"/>
             <a:r>
-              <a:rPr lang="ro-RO" sz="1800" dirty="0" smtClean="0"/>
+              <a:rPr lang="ro-RO" sz="1600" dirty="0" smtClean="0"/>
               <a:t>Dintre cele 3 Variante de Radix Sort,</a:t>
             </a:r>
             <a:r>
-              <a:rPr lang="en-US" sz="1800" dirty="0" smtClean="0"/>
+              <a:rPr lang="en-US" sz="1600" dirty="0" smtClean="0"/>
               <a:t> </a:t>
             </a:r>
             <a:r>
-              <a:rPr lang="ro-RO" sz="1800" dirty="0" smtClean="0"/>
+              <a:rPr lang="ro-RO" sz="1600" dirty="0" smtClean="0"/>
               <a:t> cea mai rapidă este cea care folosește baza 10</a:t>
             </a:r>
             <a:r>
-              <a:rPr lang="en-US" sz="1800" dirty="0" smtClean="0"/>
+              <a:rPr lang="en-US" sz="1600" dirty="0" smtClean="0"/>
               <a:t>;  </a:t>
             </a:r>
             <a:r>
-              <a:rPr lang="ro-RO" sz="1800" dirty="0" smtClean="0"/>
+              <a:rPr lang="ro-RO" sz="1600" dirty="0" smtClean="0"/>
               <a:t>e</a:t>
             </a:r>
             <a:r>
-              <a:rPr lang="en-US" sz="1800" dirty="0" err="1" smtClean="0"/>
+              <a:rPr lang="en-US" sz="1600" dirty="0" err="1" smtClean="0"/>
               <a:t>xplica</a:t>
             </a:r>
             <a:r>
-              <a:rPr lang="ro-RO" sz="1800" dirty="0" smtClean="0"/>
+              <a:rPr lang="ro-RO" sz="1600" dirty="0" smtClean="0"/>
               <a:t>ția este că, deși cele două variante cu baza 2 respectiv 4 folosesc mai puține bucket-uri, acestea conțin mult mai multe elemente.</a:t>
             </a:r>
           </a:p>
           <a:p>
             <a:pPr algn="just"/>
             <a:r>
-              <a:rPr lang="ro-RO" sz="1800" dirty="0" smtClean="0"/>
+              <a:rPr lang="ro-RO" sz="1600" dirty="0" smtClean="0"/>
               <a:t>Quick Sort este mai rapid decat Merge pe liste de dimensiuni mai mici, iar pe cele de dimensiuni mari (</a:t>
             </a:r>
             <a:r>
-              <a:rPr lang="en-US" sz="1800" dirty="0" smtClean="0"/>
+              <a:rPr lang="en-US" sz="1600" dirty="0" smtClean="0"/>
               <a:t>&gt;10^5),  Merge </a:t>
             </a:r>
             <a:r>
-              <a:rPr lang="en-US" sz="1800" dirty="0" err="1" smtClean="0"/>
+              <a:rPr lang="en-US" sz="1600" dirty="0" err="1" smtClean="0"/>
               <a:t>este</a:t>
             </a:r>
             <a:r>
-              <a:rPr lang="en-US" sz="1800" dirty="0" smtClean="0"/>
+              <a:rPr lang="en-US" sz="1600" dirty="0" smtClean="0"/>
               <a:t> </a:t>
             </a:r>
             <a:r>
-              <a:rPr lang="en-US" sz="1800" dirty="0" err="1" smtClean="0"/>
+              <a:rPr lang="en-US" sz="1600" dirty="0" err="1" smtClean="0"/>
               <a:t>mai</a:t>
             </a:r>
             <a:r>
-              <a:rPr lang="en-US" sz="1800" dirty="0" smtClean="0"/>
+              <a:rPr lang="en-US" sz="1600" dirty="0" smtClean="0"/>
               <a:t> rapid .</a:t>
             </a:r>
           </a:p>
           <a:p>
             <a:pPr algn="just"/>
             <a:r>
-              <a:rPr lang="en-GB" sz="1800" dirty="0" err="1" smtClean="0"/>
+              <a:rPr lang="en-GB" sz="1600" dirty="0" err="1" smtClean="0"/>
               <a:t>Functia</a:t>
             </a:r>
             <a:r>
-              <a:rPr lang="en-GB" sz="1800" dirty="0" smtClean="0"/>
+              <a:rPr lang="en-GB" sz="1600" dirty="0" smtClean="0"/>
+              <a:t> Sort</a:t>
+            </a:r>
+            <a:r>
+              <a:rPr lang="ro-RO" sz="1600" dirty="0" smtClean="0"/>
+              <a:t>ed</a:t>
+            </a:r>
+            <a:r>
+              <a:rPr lang="en-GB" sz="1600" dirty="0" smtClean="0"/>
+              <a:t> din Python </a:t>
+            </a:r>
+            <a:r>
+              <a:rPr lang="en-GB" sz="1600" dirty="0" err="1" smtClean="0"/>
+              <a:t>este</a:t>
+            </a:r>
+            <a:r>
+              <a:rPr lang="en-GB" sz="1600" dirty="0" smtClean="0"/>
               <a:t> </a:t>
             </a:r>
             <a:r>
-              <a:rPr lang="en-GB" sz="1800" dirty="0" smtClean="0"/>
-              <a:t>Sort</a:t>
-            </a:r>
-            <a:r>
-              <a:rPr lang="ro-RO" sz="1800" dirty="0" smtClean="0"/>
-              <a:t>ed</a:t>
-            </a:r>
-            <a:r>
-              <a:rPr lang="en-GB" sz="1800" dirty="0" smtClean="0"/>
+              <a:rPr lang="en-GB" sz="1600" dirty="0" err="1" smtClean="0"/>
+              <a:t>mult</a:t>
+            </a:r>
+            <a:r>
+              <a:rPr lang="en-GB" sz="1600" dirty="0" smtClean="0"/>
               <a:t> </a:t>
             </a:r>
             <a:r>
-              <a:rPr lang="en-GB" sz="1800" dirty="0" smtClean="0"/>
-              <a:t>din Python </a:t>
-            </a:r>
-            <a:r>
-              <a:rPr lang="en-GB" sz="1800" dirty="0" err="1" smtClean="0"/>
-              <a:t>este</a:t>
-            </a:r>
-            <a:r>
-              <a:rPr lang="en-GB" sz="1800" dirty="0" smtClean="0"/>
+              <a:rPr lang="en-GB" sz="1600" dirty="0" err="1" smtClean="0"/>
+              <a:t>mai</a:t>
+            </a:r>
+            <a:r>
+              <a:rPr lang="en-GB" sz="1600" dirty="0" smtClean="0"/>
+              <a:t> rapid</a:t>
+            </a:r>
+            <a:r>
+              <a:rPr lang="ro-RO" sz="1600" dirty="0" smtClean="0"/>
+              <a:t>ă decât toate sortările anterioare, deoarece, pe lângă implementarea probabil mai eficientă, este scrisă și compilată în limbajul C, care este mult mai rapid decât Python.</a:t>
+            </a:r>
+          </a:p>
+          <a:p>
+            <a:pPr algn="just"/>
+            <a:r>
+              <a:rPr lang="ro-RO" sz="1600" dirty="0" smtClean="0"/>
+              <a:t>În tabelul de mai jos, numărul din stânga reprezintă valoarea comună a lui N și NMAX.  Testele</a:t>
+            </a:r>
+            <a:r>
+              <a:rPr lang="en-US" sz="1600" dirty="0" smtClean="0"/>
               <a:t> </a:t>
             </a:r>
             <a:r>
-              <a:rPr lang="en-GB" sz="1800" dirty="0" err="1" smtClean="0"/>
-              <a:t>mult</a:t>
-            </a:r>
-            <a:r>
-              <a:rPr lang="en-GB" sz="1800" dirty="0" smtClean="0"/>
+              <a:rPr lang="en-US" sz="1600" dirty="0" err="1" smtClean="0"/>
+              <a:t>prezentate</a:t>
+            </a:r>
+            <a:r>
+              <a:rPr lang="en-US" sz="1600" dirty="0" smtClean="0"/>
               <a:t> </a:t>
             </a:r>
             <a:r>
-              <a:rPr lang="en-GB" sz="1800" dirty="0" err="1" smtClean="0"/>
+              <a:rPr lang="ro-RO" sz="1600" dirty="0" smtClean="0"/>
+              <a:t>au fost făcute pe inputuri random sau invers-sortate, cu N=NMAX</a:t>
+            </a:r>
+            <a:r>
+              <a:rPr lang="en-US" sz="1600" dirty="0" smtClean="0"/>
+              <a:t>&lt;=</a:t>
+            </a:r>
+            <a:r>
+              <a:rPr lang="en-US" sz="1600" dirty="0" smtClean="0"/>
+              <a:t>10^7</a:t>
+            </a:r>
+            <a:r>
+              <a:rPr lang="ro-RO" sz="1600" dirty="0" smtClean="0"/>
+              <a:t> ( pe acestea le-am considerat cele mai relevante)</a:t>
+            </a:r>
+            <a:r>
+              <a:rPr lang="en-US" sz="1600" dirty="0" smtClean="0"/>
+              <a:t>, </a:t>
+            </a:r>
+            <a:r>
+              <a:rPr lang="en-US" sz="1600" dirty="0" err="1" smtClean="0"/>
+              <a:t>deoarece</a:t>
+            </a:r>
+            <a:r>
+              <a:rPr lang="en-US" sz="1600" dirty="0" smtClean="0"/>
+              <a:t> </a:t>
+            </a:r>
+            <a:r>
+              <a:rPr lang="en-US" sz="1600" dirty="0" err="1" smtClean="0"/>
+              <a:t>majoritatea</a:t>
+            </a:r>
+            <a:r>
+              <a:rPr lang="en-US" sz="1600" dirty="0" smtClean="0"/>
+              <a:t> </a:t>
+            </a:r>
+            <a:r>
+              <a:rPr lang="en-US" sz="1600" dirty="0" err="1" smtClean="0"/>
+              <a:t>algoritmilor</a:t>
+            </a:r>
+            <a:r>
+              <a:rPr lang="en-US" sz="1600" dirty="0" smtClean="0"/>
+              <a:t> nu </a:t>
+            </a:r>
+            <a:r>
+              <a:rPr lang="en-US" sz="1600" dirty="0" err="1" smtClean="0"/>
+              <a:t>rulau</a:t>
+            </a:r>
+            <a:r>
+              <a:rPr lang="en-US" sz="1600" dirty="0" smtClean="0"/>
+              <a:t> </a:t>
+            </a:r>
+            <a:r>
+              <a:rPr lang="en-US" sz="1600" dirty="0" err="1" smtClean="0"/>
+              <a:t>pe</a:t>
+            </a:r>
+            <a:r>
+              <a:rPr lang="en-US" sz="1600" dirty="0" smtClean="0"/>
+              <a:t> input-</a:t>
+            </a:r>
+            <a:r>
+              <a:rPr lang="en-US" sz="1600" dirty="0" err="1" smtClean="0"/>
+              <a:t>uri</a:t>
+            </a:r>
+            <a:r>
+              <a:rPr lang="en-US" sz="1600" dirty="0" smtClean="0"/>
+              <a:t> </a:t>
+            </a:r>
+            <a:r>
+              <a:rPr lang="en-US" sz="1600" dirty="0" err="1" smtClean="0"/>
               <a:t>mai</a:t>
             </a:r>
             <a:r>
-              <a:rPr lang="en-GB" sz="1800" dirty="0" smtClean="0"/>
-              <a:t> rapid</a:t>
-            </a:r>
-            <a:r>
-              <a:rPr lang="ro-RO" sz="1800" dirty="0" smtClean="0"/>
-              <a:t>ă decât toate sortările anterioare, deoarece, pe lângă implementarea probabil mai eficientă, este scrisă și compilată în limbajul C, care este mult mai rapid decât Python</a:t>
-            </a:r>
-            <a:r>
-              <a:rPr lang="ro-RO" sz="1800" dirty="0" smtClean="0"/>
+              <a:rPr lang="en-US" sz="1600" dirty="0" smtClean="0"/>
+              <a:t> </a:t>
+            </a:r>
+            <a:r>
+              <a:rPr lang="en-US" sz="1600" dirty="0" err="1" smtClean="0"/>
+              <a:t>mari</a:t>
+            </a:r>
+            <a:r>
+              <a:rPr lang="en-US" sz="1600" dirty="0" smtClean="0"/>
               <a:t>.</a:t>
             </a:r>
-          </a:p>
-          <a:p>
-            <a:pPr algn="just"/>
-            <a:r>
-              <a:rPr lang="ro-RO" sz="1800" dirty="0" smtClean="0"/>
-              <a:t>În tabelul de mai jos, numărul din stânga reprezintă valoarea comună a lui N și NMAX.  Testele</a:t>
-            </a:r>
-            <a:r>
-              <a:rPr lang="en-US" sz="1800" dirty="0" smtClean="0"/>
-              <a:t> </a:t>
-            </a:r>
-            <a:r>
-              <a:rPr lang="en-US" sz="1800" dirty="0" err="1" smtClean="0"/>
-              <a:t>prezentate</a:t>
-            </a:r>
-            <a:r>
-              <a:rPr lang="en-US" sz="1800" dirty="0" smtClean="0"/>
-              <a:t> </a:t>
-            </a:r>
-            <a:r>
-              <a:rPr lang="ro-RO" sz="1800" dirty="0" smtClean="0"/>
-              <a:t>au fost făcute pe inputuri random sau invers-sortate, cu N=NMAX</a:t>
-            </a:r>
-            <a:r>
-              <a:rPr lang="en-US" sz="1800" dirty="0" smtClean="0"/>
-              <a:t>&lt;=10^7, </a:t>
-            </a:r>
-            <a:r>
-              <a:rPr lang="en-US" sz="1800" dirty="0" err="1" smtClean="0"/>
-              <a:t>deoarece</a:t>
-            </a:r>
-            <a:r>
-              <a:rPr lang="en-US" sz="1800" dirty="0" smtClean="0"/>
-              <a:t> </a:t>
-            </a:r>
-            <a:r>
-              <a:rPr lang="en-US" sz="1800" dirty="0" err="1" smtClean="0"/>
-              <a:t>majoritatea</a:t>
-            </a:r>
-            <a:r>
-              <a:rPr lang="en-US" sz="1800" dirty="0" smtClean="0"/>
-              <a:t> </a:t>
-            </a:r>
-            <a:r>
-              <a:rPr lang="en-US" sz="1800" dirty="0" err="1" smtClean="0"/>
-              <a:t>algoritmilor</a:t>
-            </a:r>
-            <a:r>
-              <a:rPr lang="en-US" sz="1800" dirty="0" smtClean="0"/>
-              <a:t> nu </a:t>
-            </a:r>
-            <a:r>
-              <a:rPr lang="en-US" sz="1800" dirty="0" err="1" smtClean="0"/>
-              <a:t>rulau</a:t>
-            </a:r>
-            <a:r>
-              <a:rPr lang="en-US" sz="1800" dirty="0" smtClean="0"/>
-              <a:t> </a:t>
-            </a:r>
-            <a:r>
-              <a:rPr lang="en-US" sz="1800" dirty="0" err="1" smtClean="0"/>
-              <a:t>pe</a:t>
-            </a:r>
-            <a:r>
-              <a:rPr lang="en-US" sz="1800" dirty="0" smtClean="0"/>
-              <a:t> input-</a:t>
-            </a:r>
-            <a:r>
-              <a:rPr lang="en-US" sz="1800" dirty="0" err="1" smtClean="0"/>
-              <a:t>uri</a:t>
-            </a:r>
-            <a:r>
-              <a:rPr lang="en-US" sz="1800" dirty="0" smtClean="0"/>
-              <a:t> </a:t>
-            </a:r>
-            <a:r>
-              <a:rPr lang="en-US" sz="1800" dirty="0" err="1" smtClean="0"/>
-              <a:t>mai</a:t>
-            </a:r>
-            <a:r>
-              <a:rPr lang="en-US" sz="1800" dirty="0" smtClean="0"/>
-              <a:t> </a:t>
-            </a:r>
-            <a:r>
-              <a:rPr lang="en-US" sz="1800" dirty="0" err="1" smtClean="0"/>
-              <a:t>mari</a:t>
-            </a:r>
-            <a:r>
-              <a:rPr lang="en-US" sz="1800" dirty="0" smtClean="0"/>
-              <a:t>.</a:t>
-            </a:r>
-            <a:endParaRPr lang="en-US" sz="1800" dirty="0" smtClean="0"/>
           </a:p>
           <a:p>
             <a:pPr algn="just">
               <a:buNone/>
             </a:pPr>
-            <a:endParaRPr lang="ro-RO" sz="1800" dirty="0" smtClean="0"/>
+            <a:endParaRPr lang="ro-RO" sz="1600" dirty="0" smtClean="0"/>
           </a:p>
           <a:p>
             <a:pPr algn="just">
               <a:buNone/>
             </a:pPr>
-            <a:endParaRPr lang="ro-RO" sz="1800" dirty="0" smtClean="0"/>
+            <a:endParaRPr lang="ro-RO" sz="1600" dirty="0" smtClean="0"/>
           </a:p>
           <a:p>
             <a:pPr algn="just">
               <a:buNone/>
             </a:pPr>
             <a:r>
-              <a:rPr lang="ro-RO" sz="1800" dirty="0" smtClean="0"/>
+              <a:rPr lang="ro-RO" sz="1600" dirty="0" smtClean="0"/>
               <a:t> </a:t>
             </a:r>
           </a:p>
@@ -6097,11 +6030,7 @@
                       <a:pPr algn="ctr"/>
                       <a:r>
                         <a:rPr lang="ro-RO" sz="1100" dirty="0" smtClean="0"/>
-                        <a:t>Sorted </a:t>
-                      </a:r>
-                      <a:r>
-                        <a:rPr lang="ro-RO" sz="1100" dirty="0" smtClean="0"/>
-                        <a:t>din Python</a:t>
+                        <a:t>Sorted din Python</a:t>
                       </a:r>
                       <a:endParaRPr lang="en-US" sz="1100" dirty="0"/>
                     </a:p>
@@ -7699,11 +7628,7 @@
                     <a:p>
                       <a:r>
                         <a:rPr lang="ro-RO" sz="1400" dirty="0" smtClean="0"/>
-                        <a:t> </a:t>
-                      </a:r>
-                      <a:r>
-                        <a:rPr lang="ro-RO" sz="1400" dirty="0" smtClean="0"/>
-                        <a:t>3.</a:t>
+                        <a:t> 3.</a:t>
                       </a:r>
                       <a:r>
                         <a:rPr lang="en-US" sz="1400" dirty="0" smtClean="0"/>
@@ -8249,11 +8174,7 @@
             </a:r>
             <a:r>
               <a:rPr lang="en-US" sz="1800" dirty="0" smtClean="0"/>
-              <a:t> </a:t>
-            </a:r>
-            <a:r>
-              <a:rPr lang="en-US" sz="1800" dirty="0" smtClean="0"/>
-              <a:t>din </a:t>
+              <a:t> din </a:t>
             </a:r>
             <a:r>
               <a:rPr lang="en-US" sz="1800" dirty="0" err="1" smtClean="0"/>
@@ -9041,11 +8962,7 @@
             </a:r>
             <a:r>
               <a:rPr lang="ro-RO" sz="3600" dirty="0" smtClean="0"/>
-              <a:t>țiilor de </a:t>
-            </a:r>
-            <a:r>
-              <a:rPr lang="ro-RO" sz="3600" dirty="0" smtClean="0"/>
-              <a:t>sortare</a:t>
+              <a:t>țiilor de sortare</a:t>
             </a:r>
             <a:r>
               <a:rPr lang="en-US" sz="3600" dirty="0" smtClean="0"/>
@@ -9168,11 +9085,7 @@
             </a:r>
             <a:r>
               <a:rPr lang="ro-RO" sz="3600" dirty="0" smtClean="0"/>
-              <a:t>țiilor de </a:t>
-            </a:r>
-            <a:r>
-              <a:rPr lang="ro-RO" sz="3600" dirty="0" smtClean="0"/>
-              <a:t>sortare</a:t>
+              <a:t>țiilor de sortare</a:t>
             </a:r>
             <a:r>
               <a:rPr lang="en-US" sz="3600" dirty="0" smtClean="0"/>
